--- a/一稿/新建 Microsoft PowerPoint 演示文稿.pptx
+++ b/一稿/新建 Microsoft PowerPoint 演示文稿.pptx
@@ -11,6 +11,8 @@
     <p:sldId id="259" r:id="rId5"/>
     <p:sldId id="260" r:id="rId6"/>
     <p:sldId id="261" r:id="rId7"/>
+    <p:sldId id="262" r:id="rId8"/>
+    <p:sldId id="263" r:id="rId9"/>
   </p:sldIdLst>
   <p:sldSz cx="9144000" cy="6858000" type="screen4x3"/>
   <p:notesSz cx="6858000" cy="9144000"/>
@@ -248,7 +250,7 @@
           <a:p>
             <a:fld id="{4DFA74ED-917F-41CE-A609-017CBB0EF9F1}" type="datetimeFigureOut">
               <a:rPr lang="zh-CN" altLang="en-US" smtClean="0"/>
-              <a:t>2017/5/29</a:t>
+              <a:t>2017/6/2</a:t>
             </a:fld>
             <a:endParaRPr lang="zh-CN" altLang="en-US"/>
           </a:p>
@@ -418,7 +420,7 @@
           <a:p>
             <a:fld id="{4DFA74ED-917F-41CE-A609-017CBB0EF9F1}" type="datetimeFigureOut">
               <a:rPr lang="zh-CN" altLang="en-US" smtClean="0"/>
-              <a:t>2017/5/29</a:t>
+              <a:t>2017/6/2</a:t>
             </a:fld>
             <a:endParaRPr lang="zh-CN" altLang="en-US"/>
           </a:p>
@@ -598,7 +600,7 @@
           <a:p>
             <a:fld id="{4DFA74ED-917F-41CE-A609-017CBB0EF9F1}" type="datetimeFigureOut">
               <a:rPr lang="zh-CN" altLang="en-US" smtClean="0"/>
-              <a:t>2017/5/29</a:t>
+              <a:t>2017/6/2</a:t>
             </a:fld>
             <a:endParaRPr lang="zh-CN" altLang="en-US"/>
           </a:p>
@@ -768,7 +770,7 @@
           <a:p>
             <a:fld id="{4DFA74ED-917F-41CE-A609-017CBB0EF9F1}" type="datetimeFigureOut">
               <a:rPr lang="zh-CN" altLang="en-US" smtClean="0"/>
-              <a:t>2017/5/29</a:t>
+              <a:t>2017/6/2</a:t>
             </a:fld>
             <a:endParaRPr lang="zh-CN" altLang="en-US"/>
           </a:p>
@@ -1012,7 +1014,7 @@
           <a:p>
             <a:fld id="{4DFA74ED-917F-41CE-A609-017CBB0EF9F1}" type="datetimeFigureOut">
               <a:rPr lang="zh-CN" altLang="en-US" smtClean="0"/>
-              <a:t>2017/5/29</a:t>
+              <a:t>2017/6/2</a:t>
             </a:fld>
             <a:endParaRPr lang="zh-CN" altLang="en-US"/>
           </a:p>
@@ -1244,7 +1246,7 @@
           <a:p>
             <a:fld id="{4DFA74ED-917F-41CE-A609-017CBB0EF9F1}" type="datetimeFigureOut">
               <a:rPr lang="zh-CN" altLang="en-US" smtClean="0"/>
-              <a:t>2017/5/29</a:t>
+              <a:t>2017/6/2</a:t>
             </a:fld>
             <a:endParaRPr lang="zh-CN" altLang="en-US"/>
           </a:p>
@@ -1611,7 +1613,7 @@
           <a:p>
             <a:fld id="{4DFA74ED-917F-41CE-A609-017CBB0EF9F1}" type="datetimeFigureOut">
               <a:rPr lang="zh-CN" altLang="en-US" smtClean="0"/>
-              <a:t>2017/5/29</a:t>
+              <a:t>2017/6/2</a:t>
             </a:fld>
             <a:endParaRPr lang="zh-CN" altLang="en-US"/>
           </a:p>
@@ -1729,7 +1731,7 @@
           <a:p>
             <a:fld id="{4DFA74ED-917F-41CE-A609-017CBB0EF9F1}" type="datetimeFigureOut">
               <a:rPr lang="zh-CN" altLang="en-US" smtClean="0"/>
-              <a:t>2017/5/29</a:t>
+              <a:t>2017/6/2</a:t>
             </a:fld>
             <a:endParaRPr lang="zh-CN" altLang="en-US"/>
           </a:p>
@@ -1824,7 +1826,7 @@
           <a:p>
             <a:fld id="{4DFA74ED-917F-41CE-A609-017CBB0EF9F1}" type="datetimeFigureOut">
               <a:rPr lang="zh-CN" altLang="en-US" smtClean="0"/>
-              <a:t>2017/5/29</a:t>
+              <a:t>2017/6/2</a:t>
             </a:fld>
             <a:endParaRPr lang="zh-CN" altLang="en-US"/>
           </a:p>
@@ -2101,7 +2103,7 @@
           <a:p>
             <a:fld id="{4DFA74ED-917F-41CE-A609-017CBB0EF9F1}" type="datetimeFigureOut">
               <a:rPr lang="zh-CN" altLang="en-US" smtClean="0"/>
-              <a:t>2017/5/29</a:t>
+              <a:t>2017/6/2</a:t>
             </a:fld>
             <a:endParaRPr lang="zh-CN" altLang="en-US"/>
           </a:p>
@@ -2358,7 +2360,7 @@
           <a:p>
             <a:fld id="{4DFA74ED-917F-41CE-A609-017CBB0EF9F1}" type="datetimeFigureOut">
               <a:rPr lang="zh-CN" altLang="en-US" smtClean="0"/>
-              <a:t>2017/5/29</a:t>
+              <a:t>2017/6/2</a:t>
             </a:fld>
             <a:endParaRPr lang="zh-CN" altLang="en-US"/>
           </a:p>
@@ -2571,7 +2573,7 @@
           <a:p>
             <a:fld id="{4DFA74ED-917F-41CE-A609-017CBB0EF9F1}" type="datetimeFigureOut">
               <a:rPr lang="zh-CN" altLang="en-US" smtClean="0"/>
-              <a:t>2017/5/29</a:t>
+              <a:t>2017/6/2</a:t>
             </a:fld>
             <a:endParaRPr lang="zh-CN" altLang="en-US"/>
           </a:p>
@@ -4018,11 +4020,7 @@
             </a:r>
             <a:r>
               <a:rPr lang="zh-CN" altLang="en-US" dirty="0" smtClean="0"/>
-              <a:t>显</a:t>
-            </a:r>
-            <a:r>
-              <a:rPr lang="zh-CN" altLang="en-US" dirty="0" smtClean="0"/>
-              <a:t>著图</a:t>
+              <a:t>显著图</a:t>
             </a:r>
             <a:endParaRPr lang="zh-CN" altLang="en-US" dirty="0"/>
           </a:p>
@@ -4653,7 +4651,7 @@
         </p:blipFill>
         <p:spPr bwMode="auto">
           <a:xfrm>
-            <a:off x="7068392" y="0"/>
+            <a:off x="7048843" y="1347537"/>
             <a:ext cx="864000" cy="576000"/>
           </a:xfrm>
           <a:prstGeom prst="rect">
@@ -4710,6 +4708,36 @@
               </a14:hiddenFill>
             </a:ext>
           </a:extLst>
+        </p:spPr>
+      </p:pic>
+      <p:pic>
+        <p:nvPicPr>
+          <p:cNvPr id="2" name="图片 1"/>
+          <p:cNvPicPr>
+            <a:picLocks/>
+          </p:cNvPicPr>
+          <p:nvPr/>
+        </p:nvPicPr>
+        <p:blipFill>
+          <a:blip r:embed="rId11" cstate="print">
+            <a:extLst>
+              <a:ext uri="{28A0092B-C50C-407E-A947-70E740481C1C}">
+                <a14:useLocalDpi xmlns:a14="http://schemas.microsoft.com/office/drawing/2010/main" val="0"/>
+              </a:ext>
+            </a:extLst>
+          </a:blip>
+          <a:stretch>
+            <a:fillRect/>
+          </a:stretch>
+        </p:blipFill>
+        <p:spPr>
+          <a:xfrm>
+            <a:off x="7068392" y="0"/>
+            <a:ext cx="864000" cy="576000"/>
+          </a:xfrm>
+          <a:prstGeom prst="rect">
+            <a:avLst/>
+          </a:prstGeom>
         </p:spPr>
       </p:pic>
     </p:spTree>
@@ -5093,7 +5121,7 @@
         </p:blipFill>
         <p:spPr bwMode="auto">
           <a:xfrm>
-            <a:off x="7632575" y="3355083"/>
+            <a:off x="7186232" y="1997840"/>
             <a:ext cx="864000" cy="576000"/>
           </a:xfrm>
           <a:prstGeom prst="rect">
@@ -5109,6 +5137,36 @@
               </a14:hiddenFill>
             </a:ext>
           </a:extLst>
+        </p:spPr>
+      </p:pic>
+      <p:pic>
+        <p:nvPicPr>
+          <p:cNvPr id="2" name="图片 1"/>
+          <p:cNvPicPr>
+            <a:picLocks noChangeAspect="1"/>
+          </p:cNvPicPr>
+          <p:nvPr/>
+        </p:nvPicPr>
+        <p:blipFill>
+          <a:blip r:embed="rId11" cstate="print">
+            <a:extLst>
+              <a:ext uri="{28A0092B-C50C-407E-A947-70E740481C1C}">
+                <a14:useLocalDpi xmlns:a14="http://schemas.microsoft.com/office/drawing/2010/main" val="0"/>
+              </a:ext>
+            </a:extLst>
+          </a:blip>
+          <a:stretch>
+            <a:fillRect/>
+          </a:stretch>
+        </p:blipFill>
+        <p:spPr>
+          <a:xfrm>
+            <a:off x="7632575" y="3355083"/>
+            <a:ext cx="864000" cy="576000"/>
+          </a:xfrm>
+          <a:prstGeom prst="rect">
+            <a:avLst/>
+          </a:prstGeom>
         </p:spPr>
       </p:pic>
     </p:spTree>
@@ -5913,6 +5971,450 @@
     <p:extLst>
       <p:ext uri="{BB962C8B-B14F-4D97-AF65-F5344CB8AC3E}">
         <p14:creationId xmlns:p14="http://schemas.microsoft.com/office/powerpoint/2010/main" val="2920507166"/>
+      </p:ext>
+    </p:extLst>
+  </p:cSld>
+  <p:clrMapOvr>
+    <a:masterClrMapping/>
+  </p:clrMapOvr>
+</p:sld>
+</file>
+
+<file path=ppt/slides/slide7.xml><?xml version="1.0" encoding="utf-8"?>
+<p:sld xmlns:a="http://schemas.openxmlformats.org/drawingml/2006/main" xmlns:r="http://schemas.openxmlformats.org/officeDocument/2006/relationships" xmlns:p="http://schemas.openxmlformats.org/presentationml/2006/main">
+  <p:cSld>
+    <p:spTree>
+      <p:nvGrpSpPr>
+        <p:cNvPr id="1" name=""/>
+        <p:cNvGrpSpPr/>
+        <p:nvPr/>
+      </p:nvGrpSpPr>
+      <p:grpSpPr>
+        <a:xfrm>
+          <a:off x="0" y="0"/>
+          <a:ext cx="0" cy="0"/>
+          <a:chOff x="0" y="0"/>
+          <a:chExt cx="0" cy="0"/>
+        </a:xfrm>
+      </p:grpSpPr>
+      <p:pic>
+        <p:nvPicPr>
+          <p:cNvPr id="4" name="图片 3"/>
+          <p:cNvPicPr>
+            <a:picLocks/>
+          </p:cNvPicPr>
+          <p:nvPr/>
+        </p:nvPicPr>
+        <p:blipFill>
+          <a:blip r:embed="rId2" cstate="print">
+            <a:extLst>
+              <a:ext uri="{28A0092B-C50C-407E-A947-70E740481C1C}">
+                <a14:useLocalDpi xmlns:a14="http://schemas.microsoft.com/office/drawing/2010/main" val="0"/>
+              </a:ext>
+            </a:extLst>
+          </a:blip>
+          <a:stretch>
+            <a:fillRect/>
+          </a:stretch>
+        </p:blipFill>
+        <p:spPr>
+          <a:xfrm>
+            <a:off x="7207797" y="231369"/>
+            <a:ext cx="864000" cy="648000"/>
+          </a:xfrm>
+          <a:prstGeom prst="rect">
+            <a:avLst/>
+          </a:prstGeom>
+        </p:spPr>
+      </p:pic>
+      <p:pic>
+        <p:nvPicPr>
+          <p:cNvPr id="5" name="图片 4"/>
+          <p:cNvPicPr>
+            <a:picLocks/>
+          </p:cNvPicPr>
+          <p:nvPr/>
+        </p:nvPicPr>
+        <p:blipFill>
+          <a:blip r:embed="rId3" cstate="print">
+            <a:extLst>
+              <a:ext uri="{28A0092B-C50C-407E-A947-70E740481C1C}">
+                <a14:useLocalDpi xmlns:a14="http://schemas.microsoft.com/office/drawing/2010/main" val="0"/>
+              </a:ext>
+            </a:extLst>
+          </a:blip>
+          <a:stretch>
+            <a:fillRect/>
+          </a:stretch>
+        </p:blipFill>
+        <p:spPr>
+          <a:xfrm>
+            <a:off x="2744671" y="231370"/>
+            <a:ext cx="864000" cy="648000"/>
+          </a:xfrm>
+          <a:prstGeom prst="rect">
+            <a:avLst/>
+          </a:prstGeom>
+        </p:spPr>
+      </p:pic>
+      <p:pic>
+        <p:nvPicPr>
+          <p:cNvPr id="6" name="图片 5"/>
+          <p:cNvPicPr>
+            <a:picLocks/>
+          </p:cNvPicPr>
+          <p:nvPr/>
+        </p:nvPicPr>
+        <p:blipFill>
+          <a:blip r:embed="rId4" cstate="print">
+            <a:extLst>
+              <a:ext uri="{28A0092B-C50C-407E-A947-70E740481C1C}">
+                <a14:useLocalDpi xmlns:a14="http://schemas.microsoft.com/office/drawing/2010/main" val="0"/>
+              </a:ext>
+            </a:extLst>
+          </a:blip>
+          <a:stretch>
+            <a:fillRect/>
+          </a:stretch>
+        </p:blipFill>
+        <p:spPr>
+          <a:xfrm>
+            <a:off x="3631626" y="231369"/>
+            <a:ext cx="864000" cy="648000"/>
+          </a:xfrm>
+          <a:prstGeom prst="rect">
+            <a:avLst/>
+          </a:prstGeom>
+        </p:spPr>
+      </p:pic>
+      <p:pic>
+        <p:nvPicPr>
+          <p:cNvPr id="7" name="图片 6"/>
+          <p:cNvPicPr>
+            <a:picLocks/>
+          </p:cNvPicPr>
+          <p:nvPr/>
+        </p:nvPicPr>
+        <p:blipFill>
+          <a:blip r:embed="rId5" cstate="print">
+            <a:extLst>
+              <a:ext uri="{28A0092B-C50C-407E-A947-70E740481C1C}">
+                <a14:useLocalDpi xmlns:a14="http://schemas.microsoft.com/office/drawing/2010/main" val="0"/>
+              </a:ext>
+            </a:extLst>
+          </a:blip>
+          <a:stretch>
+            <a:fillRect/>
+          </a:stretch>
+        </p:blipFill>
+        <p:spPr>
+          <a:xfrm>
+            <a:off x="1857716" y="231369"/>
+            <a:ext cx="864000" cy="648000"/>
+          </a:xfrm>
+          <a:prstGeom prst="rect">
+            <a:avLst/>
+          </a:prstGeom>
+        </p:spPr>
+      </p:pic>
+      <p:pic>
+        <p:nvPicPr>
+          <p:cNvPr id="8" name="图片 7"/>
+          <p:cNvPicPr>
+            <a:picLocks/>
+          </p:cNvPicPr>
+          <p:nvPr/>
+        </p:nvPicPr>
+        <p:blipFill>
+          <a:blip r:embed="rId6" cstate="print">
+            <a:extLst>
+              <a:ext uri="{28A0092B-C50C-407E-A947-70E740481C1C}">
+                <a14:useLocalDpi xmlns:a14="http://schemas.microsoft.com/office/drawing/2010/main" val="0"/>
+              </a:ext>
+            </a:extLst>
+          </a:blip>
+          <a:stretch>
+            <a:fillRect/>
+          </a:stretch>
+        </p:blipFill>
+        <p:spPr>
+          <a:xfrm>
+            <a:off x="5414774" y="231369"/>
+            <a:ext cx="864000" cy="648000"/>
+          </a:xfrm>
+          <a:prstGeom prst="rect">
+            <a:avLst/>
+          </a:prstGeom>
+        </p:spPr>
+      </p:pic>
+      <p:pic>
+        <p:nvPicPr>
+          <p:cNvPr id="9" name="图片 8"/>
+          <p:cNvPicPr>
+            <a:picLocks/>
+          </p:cNvPicPr>
+          <p:nvPr/>
+        </p:nvPicPr>
+        <p:blipFill>
+          <a:blip r:embed="rId7"/>
+          <a:stretch>
+            <a:fillRect/>
+          </a:stretch>
+        </p:blipFill>
+        <p:spPr>
+          <a:xfrm>
+            <a:off x="4518581" y="231369"/>
+            <a:ext cx="864000" cy="648000"/>
+          </a:xfrm>
+          <a:prstGeom prst="rect">
+            <a:avLst/>
+          </a:prstGeom>
+        </p:spPr>
+      </p:pic>
+      <p:pic>
+        <p:nvPicPr>
+          <p:cNvPr id="10" name="图片 9"/>
+          <p:cNvPicPr>
+            <a:picLocks/>
+          </p:cNvPicPr>
+          <p:nvPr/>
+        </p:nvPicPr>
+        <p:blipFill>
+          <a:blip r:embed="rId8" cstate="print">
+            <a:extLst>
+              <a:ext uri="{28A0092B-C50C-407E-A947-70E740481C1C}">
+                <a14:useLocalDpi xmlns:a14="http://schemas.microsoft.com/office/drawing/2010/main" val="0"/>
+              </a:ext>
+            </a:extLst>
+          </a:blip>
+          <a:stretch>
+            <a:fillRect/>
+          </a:stretch>
+        </p:blipFill>
+        <p:spPr>
+          <a:xfrm>
+            <a:off x="6310967" y="231369"/>
+            <a:ext cx="864000" cy="648000"/>
+          </a:xfrm>
+          <a:prstGeom prst="rect">
+            <a:avLst/>
+          </a:prstGeom>
+        </p:spPr>
+      </p:pic>
+      <p:pic>
+        <p:nvPicPr>
+          <p:cNvPr id="11" name="图片 10"/>
+          <p:cNvPicPr>
+            <a:picLocks/>
+          </p:cNvPicPr>
+          <p:nvPr/>
+        </p:nvPicPr>
+        <p:blipFill>
+          <a:blip r:embed="rId9" cstate="print">
+            <a:extLst>
+              <a:ext uri="{28A0092B-C50C-407E-A947-70E740481C1C}">
+                <a14:useLocalDpi xmlns:a14="http://schemas.microsoft.com/office/drawing/2010/main" val="0"/>
+              </a:ext>
+            </a:extLst>
+          </a:blip>
+          <a:stretch>
+            <a:fillRect/>
+          </a:stretch>
+        </p:blipFill>
+        <p:spPr>
+          <a:xfrm>
+            <a:off x="970761" y="231369"/>
+            <a:ext cx="864000" cy="648000"/>
+          </a:xfrm>
+          <a:prstGeom prst="rect">
+            <a:avLst/>
+          </a:prstGeom>
+        </p:spPr>
+      </p:pic>
+      <p:pic>
+        <p:nvPicPr>
+          <p:cNvPr id="12" name="图片 11"/>
+          <p:cNvPicPr>
+            <a:picLocks/>
+          </p:cNvPicPr>
+          <p:nvPr/>
+        </p:nvPicPr>
+        <p:blipFill>
+          <a:blip r:embed="rId10" cstate="print">
+            <a:extLst>
+              <a:ext uri="{28A0092B-C50C-407E-A947-70E740481C1C}">
+                <a14:useLocalDpi xmlns:a14="http://schemas.microsoft.com/office/drawing/2010/main" val="0"/>
+              </a:ext>
+            </a:extLst>
+          </a:blip>
+          <a:stretch>
+            <a:fillRect/>
+          </a:stretch>
+        </p:blipFill>
+        <p:spPr>
+          <a:xfrm>
+            <a:off x="97689" y="231369"/>
+            <a:ext cx="864000" cy="648000"/>
+          </a:xfrm>
+          <a:prstGeom prst="rect">
+            <a:avLst/>
+          </a:prstGeom>
+        </p:spPr>
+      </p:pic>
+    </p:spTree>
+    <p:extLst>
+      <p:ext uri="{BB962C8B-B14F-4D97-AF65-F5344CB8AC3E}">
+        <p14:creationId xmlns:p14="http://schemas.microsoft.com/office/powerpoint/2010/main" val="3893524106"/>
+      </p:ext>
+    </p:extLst>
+  </p:cSld>
+  <p:clrMapOvr>
+    <a:masterClrMapping/>
+  </p:clrMapOvr>
+</p:sld>
+</file>
+
+<file path=ppt/slides/slide8.xml><?xml version="1.0" encoding="utf-8"?>
+<p:sld xmlns:a="http://schemas.openxmlformats.org/drawingml/2006/main" xmlns:r="http://schemas.openxmlformats.org/officeDocument/2006/relationships" xmlns:p="http://schemas.openxmlformats.org/presentationml/2006/main">
+  <p:cSld>
+    <p:spTree>
+      <p:nvGrpSpPr>
+        <p:cNvPr id="1" name=""/>
+        <p:cNvGrpSpPr/>
+        <p:nvPr/>
+      </p:nvGrpSpPr>
+      <p:grpSpPr>
+        <a:xfrm>
+          <a:off x="0" y="0"/>
+          <a:ext cx="0" cy="0"/>
+          <a:chOff x="0" y="0"/>
+          <a:chExt cx="0" cy="0"/>
+        </a:xfrm>
+      </p:grpSpPr>
+      <p:pic>
+        <p:nvPicPr>
+          <p:cNvPr id="4" name="图片 3"/>
+          <p:cNvPicPr>
+            <a:picLocks noChangeAspect="1"/>
+          </p:cNvPicPr>
+          <p:nvPr/>
+        </p:nvPicPr>
+        <p:blipFill>
+          <a:blip r:embed="rId2">
+            <a:extLst>
+              <a:ext uri="{28A0092B-C50C-407E-A947-70E740481C1C}">
+                <a14:useLocalDpi xmlns:a14="http://schemas.microsoft.com/office/drawing/2010/main" val="0"/>
+              </a:ext>
+            </a:extLst>
+          </a:blip>
+          <a:stretch>
+            <a:fillRect/>
+          </a:stretch>
+        </p:blipFill>
+        <p:spPr>
+          <a:xfrm>
+            <a:off x="259551" y="3601084"/>
+            <a:ext cx="4105837" cy="3053716"/>
+          </a:xfrm>
+          <a:prstGeom prst="rect">
+            <a:avLst/>
+          </a:prstGeom>
+        </p:spPr>
+      </p:pic>
+      <p:pic>
+        <p:nvPicPr>
+          <p:cNvPr id="5" name="图片 4"/>
+          <p:cNvPicPr>
+            <a:picLocks noChangeAspect="1"/>
+          </p:cNvPicPr>
+          <p:nvPr/>
+        </p:nvPicPr>
+        <p:blipFill>
+          <a:blip r:embed="rId3">
+            <a:extLst>
+              <a:ext uri="{28A0092B-C50C-407E-A947-70E740481C1C}">
+                <a14:useLocalDpi xmlns:a14="http://schemas.microsoft.com/office/drawing/2010/main" val="0"/>
+              </a:ext>
+            </a:extLst>
+          </a:blip>
+          <a:stretch>
+            <a:fillRect/>
+          </a:stretch>
+        </p:blipFill>
+        <p:spPr>
+          <a:xfrm>
+            <a:off x="4710740" y="174171"/>
+            <a:ext cx="4105836" cy="3053716"/>
+          </a:xfrm>
+          <a:prstGeom prst="rect">
+            <a:avLst/>
+          </a:prstGeom>
+        </p:spPr>
+      </p:pic>
+      <p:pic>
+        <p:nvPicPr>
+          <p:cNvPr id="6" name="图片 5"/>
+          <p:cNvPicPr>
+            <a:picLocks noChangeAspect="1"/>
+          </p:cNvPicPr>
+          <p:nvPr/>
+        </p:nvPicPr>
+        <p:blipFill>
+          <a:blip r:embed="rId4">
+            <a:extLst>
+              <a:ext uri="{28A0092B-C50C-407E-A947-70E740481C1C}">
+                <a14:useLocalDpi xmlns:a14="http://schemas.microsoft.com/office/drawing/2010/main" val="0"/>
+              </a:ext>
+            </a:extLst>
+          </a:blip>
+          <a:stretch>
+            <a:fillRect/>
+          </a:stretch>
+        </p:blipFill>
+        <p:spPr>
+          <a:xfrm>
+            <a:off x="5239658" y="4197667"/>
+            <a:ext cx="3048000" cy="2266950"/>
+          </a:xfrm>
+          <a:prstGeom prst="rect">
+            <a:avLst/>
+          </a:prstGeom>
+        </p:spPr>
+      </p:pic>
+      <p:pic>
+        <p:nvPicPr>
+          <p:cNvPr id="7" name="图片 6"/>
+          <p:cNvPicPr>
+            <a:picLocks noChangeAspect="1"/>
+          </p:cNvPicPr>
+          <p:nvPr/>
+        </p:nvPicPr>
+        <p:blipFill>
+          <a:blip r:embed="rId5">
+            <a:extLst>
+              <a:ext uri="{28A0092B-C50C-407E-A947-70E740481C1C}">
+                <a14:useLocalDpi xmlns:a14="http://schemas.microsoft.com/office/drawing/2010/main" val="0"/>
+              </a:ext>
+            </a:extLst>
+          </a:blip>
+          <a:stretch>
+            <a:fillRect/>
+          </a:stretch>
+        </p:blipFill>
+        <p:spPr>
+          <a:xfrm>
+            <a:off x="259551" y="174171"/>
+            <a:ext cx="4105837" cy="3053716"/>
+          </a:xfrm>
+          <a:prstGeom prst="rect">
+            <a:avLst/>
+          </a:prstGeom>
+        </p:spPr>
+      </p:pic>
+    </p:spTree>
+    <p:extLst>
+      <p:ext uri="{BB962C8B-B14F-4D97-AF65-F5344CB8AC3E}">
+        <p14:creationId xmlns:p14="http://schemas.microsoft.com/office/powerpoint/2010/main" val="4015925755"/>
       </p:ext>
     </p:extLst>
   </p:cSld>
